--- a/idr-nlri-error-handling.pptx
+++ b/idr-nlri-error-handling.pptx
@@ -4,6 +4,9 @@
   <p:sldMasterIdLst>
     <p:sldMasterId id="2147483648" r:id="rId1"/>
   </p:sldMasterIdLst>
+  <p:notesMasterIdLst>
+    <p:notesMasterId r:id="rId11"/>
+  </p:notesMasterIdLst>
   <p:sldIdLst>
     <p:sldId id="256" r:id="rId2"/>
     <p:sldId id="257" r:id="rId3"/>
@@ -118,6 +121,12 @@
     </p:ext>
   </p:extLst>
 </p:presentation>
+</file>
+
+<file path=ppt/authors.xml><?xml version="1.0" encoding="utf-8"?>
+<p188:authorLst xmlns:a="http://schemas.openxmlformats.org/drawingml/2006/main" xmlns:r="http://schemas.openxmlformats.org/officeDocument/2006/relationships" xmlns:p188="http://schemas.microsoft.com/office/powerpoint/2018/8/main">
+  <p188:author id="{55403592-3A20-0DB0-032B-19E2BFEAA134}" name="John Scudder" initials="JS" userId="S::jgs@juniper.net::f1189e0a-4232-4620-8495-9c5cc33ae2d8" providerId="AD"/>
+</p188:authorLst>
 </file>
 
 <file path=ppt/revisionInfo.xml><?xml version="1.0" encoding="utf-8"?>
@@ -793,6 +802,513 @@
 </pc:chgInfo>
 </file>
 
+<file path=ppt/comments/modernComment_103_C70FB4D1.xml><?xml version="1.0" encoding="utf-8"?>
+<p188:cmLst xmlns:a="http://schemas.openxmlformats.org/drawingml/2006/main" xmlns:r="http://schemas.openxmlformats.org/officeDocument/2006/relationships" xmlns:p188="http://schemas.microsoft.com/office/powerpoint/2018/8/main">
+  <p188:cm id="{648173CC-0701-BA47-8D07-2547098490FC}" authorId="{55403592-3A20-0DB0-032B-19E2BFEAA134}" created="2025-10-23T14:05:02.408">
+    <pc:sldMkLst xmlns:pc="http://schemas.microsoft.com/office/powerpoint/2013/main/command">
+      <pc:docMk/>
+      <pc:sldMk cId="3339695313" sldId="259"/>
+    </pc:sldMkLst>
+    <p188:txBody>
+      <a:bodyPr/>
+      <a:lstStyle/>
+      <a:p>
+        <a:r>
+          <a:rPr lang="en-US"/>
+          <a:t>I guess this means that probably the new session will just reset again? I.e. it's not likely to be recoverable without human intervention?
+If so perhaps something like "BGP session reset (high network impact, requiring urgent human intervention)</a:t>
+        </a:r>
+      </a:p>
+    </p188:txBody>
+  </p188:cm>
+</p188:cmLst>
+</file>
+
+<file path=ppt/comments/modernComment_104_A0E28BF5.xml><?xml version="1.0" encoding="utf-8"?>
+<p188:cmLst xmlns:a="http://schemas.openxmlformats.org/drawingml/2006/main" xmlns:r="http://schemas.openxmlformats.org/officeDocument/2006/relationships" xmlns:p188="http://schemas.microsoft.com/office/powerpoint/2018/8/main">
+  <p188:cm id="{B7E0A57D-21CC-4643-91AB-7A1FDA628873}" authorId="{55403592-3A20-0DB0-032B-19E2BFEAA134}" created="2025-10-23T14:07:46.826">
+    <ac:txMkLst xmlns:ac="http://schemas.microsoft.com/office/drawing/2013/main/command">
+      <pc:docMk xmlns:pc="http://schemas.microsoft.com/office/powerpoint/2013/main/command"/>
+      <pc:sldMk xmlns:pc="http://schemas.microsoft.com/office/powerpoint/2013/main/command" cId="2699201525" sldId="260"/>
+      <ac:spMk id="3" creationId="{98AB5BD9-DEBE-86D0-C0DC-B4F83A14D5F3}"/>
+      <ac:txMk cp="251" len="18">
+        <ac:context len="326" hash="868246073"/>
+      </ac:txMk>
+    </ac:txMkLst>
+    <p188:pos x="8332694" y="2598457"/>
+    <p188:txBody>
+      <a:bodyPr/>
+      <a:lstStyle/>
+      <a:p>
+        <a:r>
+          <a:rPr lang="en-US"/>
+          <a:t>I suggest cutting those words.</a:t>
+        </a:r>
+      </a:p>
+    </p188:txBody>
+  </p188:cm>
+</p188:cmLst>
+</file>
+
+<file path=ppt/comments/modernComment_105_44785C95.xml><?xml version="1.0" encoding="utf-8"?>
+<p188:cmLst xmlns:a="http://schemas.openxmlformats.org/drawingml/2006/main" xmlns:r="http://schemas.openxmlformats.org/officeDocument/2006/relationships" xmlns:p188="http://schemas.microsoft.com/office/powerpoint/2018/8/main">
+  <p188:cm id="{C868B519-B02B-CB4B-8FD9-5C1D0E7B273C}" authorId="{55403592-3A20-0DB0-032B-19E2BFEAA134}" created="2025-10-23T14:10:37.470">
+    <ac:txMkLst xmlns:ac="http://schemas.microsoft.com/office/drawing/2013/main/command">
+      <pc:docMk xmlns:pc="http://schemas.microsoft.com/office/powerpoint/2013/main/command"/>
+      <pc:sldMk xmlns:pc="http://schemas.microsoft.com/office/powerpoint/2013/main/command" cId="1148738709" sldId="261"/>
+      <ac:spMk id="3" creationId="{647A37BA-2D5A-8FBB-E3C4-7E0715955D11}"/>
+      <ac:txMk cp="194" len="64">
+        <ac:context len="337" hash="1955730855"/>
+      </ac:txMk>
+    </ac:txMkLst>
+    <p188:pos x="9058835" y="1979893"/>
+    <p188:txBody>
+      <a:bodyPr/>
+      <a:lstStyle/>
+      <a:p>
+        <a:r>
+          <a:rPr lang="en-US"/>
+          <a:t>"Complexity" covers time and space complexity I suppose but maybe it's worth calling out both separately? I think Jeff raised the concern that for updates that are already getting packed close to the 4kB limit, adding more stuff is worrying. (I don't know of many such updates but it could happen. Inevitably it WILL happen, I just hope we have 64kB update support everywhere before then.)</a:t>
+        </a:r>
+      </a:p>
+    </p188:txBody>
+  </p188:cm>
+</p188:cmLst>
+</file>
+
+<file path=ppt/notesMasters/notesMaster1.xml><?xml version="1.0" encoding="utf-8"?>
+<p:notesMaster xmlns:a="http://schemas.openxmlformats.org/drawingml/2006/main" xmlns:r="http://schemas.openxmlformats.org/officeDocument/2006/relationships" xmlns:p="http://schemas.openxmlformats.org/presentationml/2006/main">
+  <p:cSld>
+    <p:bg>
+      <p:bgRef idx="1001">
+        <a:schemeClr val="bg1"/>
+      </p:bgRef>
+    </p:bg>
+    <p:spTree>
+      <p:nvGrpSpPr>
+        <p:cNvPr id="1" name=""/>
+        <p:cNvGrpSpPr/>
+        <p:nvPr/>
+      </p:nvGrpSpPr>
+      <p:grpSpPr>
+        <a:xfrm>
+          <a:off x="0" y="0"/>
+          <a:ext cx="0" cy="0"/>
+          <a:chOff x="0" y="0"/>
+          <a:chExt cx="0" cy="0"/>
+        </a:xfrm>
+      </p:grpSpPr>
+      <p:sp>
+        <p:nvSpPr>
+          <p:cNvPr id="2" name="Header Placeholder 1"/>
+          <p:cNvSpPr>
+            <a:spLocks noGrp="1"/>
+          </p:cNvSpPr>
+          <p:nvPr>
+            <p:ph type="hdr" sz="quarter"/>
+          </p:nvPr>
+        </p:nvSpPr>
+        <p:spPr>
+          <a:xfrm>
+            <a:off x="0" y="0"/>
+            <a:ext cx="2971800" cy="458788"/>
+          </a:xfrm>
+          <a:prstGeom prst="rect">
+            <a:avLst/>
+          </a:prstGeom>
+        </p:spPr>
+        <p:txBody>
+          <a:bodyPr vert="horz" lIns="91440" tIns="45720" rIns="91440" bIns="45720" rtlCol="0"/>
+          <a:lstStyle>
+            <a:lvl1pPr algn="l">
+              <a:defRPr sz="1200"/>
+            </a:lvl1pPr>
+          </a:lstStyle>
+          <a:p>
+            <a:endParaRPr lang="en-US"/>
+          </a:p>
+        </p:txBody>
+      </p:sp>
+      <p:sp>
+        <p:nvSpPr>
+          <p:cNvPr id="3" name="Date Placeholder 2"/>
+          <p:cNvSpPr>
+            <a:spLocks noGrp="1"/>
+          </p:cNvSpPr>
+          <p:nvPr>
+            <p:ph type="dt" idx="1"/>
+          </p:nvPr>
+        </p:nvSpPr>
+        <p:spPr>
+          <a:xfrm>
+            <a:off x="3884613" y="0"/>
+            <a:ext cx="2971800" cy="458788"/>
+          </a:xfrm>
+          <a:prstGeom prst="rect">
+            <a:avLst/>
+          </a:prstGeom>
+        </p:spPr>
+        <p:txBody>
+          <a:bodyPr vert="horz" lIns="91440" tIns="45720" rIns="91440" bIns="45720" rtlCol="0"/>
+          <a:lstStyle>
+            <a:lvl1pPr algn="r">
+              <a:defRPr sz="1200"/>
+            </a:lvl1pPr>
+          </a:lstStyle>
+          <a:p>
+            <a:fld id="{6B3A3F2F-16EF-5743-9823-704C3351FBC7}" type="datetimeFigureOut">
+              <a:rPr lang="en-US" smtClean="0"/>
+              <a:t>10/23/25</a:t>
+            </a:fld>
+            <a:endParaRPr lang="en-US"/>
+          </a:p>
+        </p:txBody>
+      </p:sp>
+      <p:sp>
+        <p:nvSpPr>
+          <p:cNvPr id="4" name="Slide Image Placeholder 3"/>
+          <p:cNvSpPr>
+            <a:spLocks noGrp="1" noRot="1" noChangeAspect="1"/>
+          </p:cNvSpPr>
+          <p:nvPr>
+            <p:ph type="sldImg" idx="2"/>
+          </p:nvPr>
+        </p:nvSpPr>
+        <p:spPr>
+          <a:xfrm>
+            <a:off x="685800" y="1143000"/>
+            <a:ext cx="5486400" cy="3086100"/>
+          </a:xfrm>
+          <a:prstGeom prst="rect">
+            <a:avLst/>
+          </a:prstGeom>
+          <a:noFill/>
+          <a:ln w="12700">
+            <a:solidFill>
+              <a:prstClr val="black"/>
+            </a:solidFill>
+          </a:ln>
+        </p:spPr>
+        <p:txBody>
+          <a:bodyPr vert="horz" lIns="91440" tIns="45720" rIns="91440" bIns="45720" rtlCol="0" anchor="ctr"/>
+          <a:lstStyle/>
+          <a:p>
+            <a:endParaRPr lang="en-US"/>
+          </a:p>
+        </p:txBody>
+      </p:sp>
+      <p:sp>
+        <p:nvSpPr>
+          <p:cNvPr id="5" name="Notes Placeholder 4"/>
+          <p:cNvSpPr>
+            <a:spLocks noGrp="1"/>
+          </p:cNvSpPr>
+          <p:nvPr>
+            <p:ph type="body" sz="quarter" idx="3"/>
+          </p:nvPr>
+        </p:nvSpPr>
+        <p:spPr>
+          <a:xfrm>
+            <a:off x="685800" y="4400550"/>
+            <a:ext cx="5486400" cy="3600450"/>
+          </a:xfrm>
+          <a:prstGeom prst="rect">
+            <a:avLst/>
+          </a:prstGeom>
+        </p:spPr>
+        <p:txBody>
+          <a:bodyPr vert="horz" lIns="91440" tIns="45720" rIns="91440" bIns="45720" rtlCol="0"/>
+          <a:lstStyle/>
+          <a:p>
+            <a:pPr lvl="0"/>
+            <a:r>
+              <a:rPr lang="en-US"/>
+              <a:t>Click to edit Master text styles</a:t>
+            </a:r>
+          </a:p>
+          <a:p>
+            <a:pPr lvl="1"/>
+            <a:r>
+              <a:rPr lang="en-US"/>
+              <a:t>Second level</a:t>
+            </a:r>
+          </a:p>
+          <a:p>
+            <a:pPr lvl="2"/>
+            <a:r>
+              <a:rPr lang="en-US"/>
+              <a:t>Third level</a:t>
+            </a:r>
+          </a:p>
+          <a:p>
+            <a:pPr lvl="3"/>
+            <a:r>
+              <a:rPr lang="en-US"/>
+              <a:t>Fourth level</a:t>
+            </a:r>
+          </a:p>
+          <a:p>
+            <a:pPr lvl="4"/>
+            <a:r>
+              <a:rPr lang="en-US"/>
+              <a:t>Fifth level</a:t>
+            </a:r>
+          </a:p>
+        </p:txBody>
+      </p:sp>
+      <p:sp>
+        <p:nvSpPr>
+          <p:cNvPr id="6" name="Footer Placeholder 5"/>
+          <p:cNvSpPr>
+            <a:spLocks noGrp="1"/>
+          </p:cNvSpPr>
+          <p:nvPr>
+            <p:ph type="ftr" sz="quarter" idx="4"/>
+          </p:nvPr>
+        </p:nvSpPr>
+        <p:spPr>
+          <a:xfrm>
+            <a:off x="0" y="8685213"/>
+            <a:ext cx="2971800" cy="458787"/>
+          </a:xfrm>
+          <a:prstGeom prst="rect">
+            <a:avLst/>
+          </a:prstGeom>
+        </p:spPr>
+        <p:txBody>
+          <a:bodyPr vert="horz" lIns="91440" tIns="45720" rIns="91440" bIns="45720" rtlCol="0" anchor="b"/>
+          <a:lstStyle>
+            <a:lvl1pPr algn="l">
+              <a:defRPr sz="1200"/>
+            </a:lvl1pPr>
+          </a:lstStyle>
+          <a:p>
+            <a:endParaRPr lang="en-US"/>
+          </a:p>
+        </p:txBody>
+      </p:sp>
+      <p:sp>
+        <p:nvSpPr>
+          <p:cNvPr id="7" name="Slide Number Placeholder 6"/>
+          <p:cNvSpPr>
+            <a:spLocks noGrp="1"/>
+          </p:cNvSpPr>
+          <p:nvPr>
+            <p:ph type="sldNum" sz="quarter" idx="5"/>
+          </p:nvPr>
+        </p:nvSpPr>
+        <p:spPr>
+          <a:xfrm>
+            <a:off x="3884613" y="8685213"/>
+            <a:ext cx="2971800" cy="458787"/>
+          </a:xfrm>
+          <a:prstGeom prst="rect">
+            <a:avLst/>
+          </a:prstGeom>
+        </p:spPr>
+        <p:txBody>
+          <a:bodyPr vert="horz" lIns="91440" tIns="45720" rIns="91440" bIns="45720" rtlCol="0" anchor="b"/>
+          <a:lstStyle>
+            <a:lvl1pPr algn="r">
+              <a:defRPr sz="1200"/>
+            </a:lvl1pPr>
+          </a:lstStyle>
+          <a:p>
+            <a:fld id="{0FB28B67-6587-8446-925A-F89115EBD76E}" type="slidenum">
+              <a:rPr lang="en-US" smtClean="0"/>
+              <a:t>‹#›</a:t>
+            </a:fld>
+            <a:endParaRPr lang="en-US"/>
+          </a:p>
+        </p:txBody>
+      </p:sp>
+    </p:spTree>
+    <p:extLst>
+      <p:ext uri="{BB962C8B-B14F-4D97-AF65-F5344CB8AC3E}">
+        <p14:creationId xmlns:p14="http://schemas.microsoft.com/office/powerpoint/2010/main" val="1975060493"/>
+      </p:ext>
+    </p:extLst>
+  </p:cSld>
+  <p:clrMap bg1="lt1" tx1="dk1" bg2="lt2" tx2="dk2" accent1="accent1" accent2="accent2" accent3="accent3" accent4="accent4" accent5="accent5" accent6="accent6" hlink="hlink" folHlink="folHlink"/>
+  <p:notesStyle>
+    <a:lvl1pPr marL="0" algn="l" defTabSz="914400" rtl="0" eaLnBrk="1" latinLnBrk="0" hangingPunct="1">
+      <a:defRPr sz="1200" kern="1200">
+        <a:solidFill>
+          <a:schemeClr val="tx1"/>
+        </a:solidFill>
+        <a:latin typeface="+mn-lt"/>
+        <a:ea typeface="+mn-ea"/>
+        <a:cs typeface="+mn-cs"/>
+      </a:defRPr>
+    </a:lvl1pPr>
+    <a:lvl2pPr marL="457200" algn="l" defTabSz="914400" rtl="0" eaLnBrk="1" latinLnBrk="0" hangingPunct="1">
+      <a:defRPr sz="1200" kern="1200">
+        <a:solidFill>
+          <a:schemeClr val="tx1"/>
+        </a:solidFill>
+        <a:latin typeface="+mn-lt"/>
+        <a:ea typeface="+mn-ea"/>
+        <a:cs typeface="+mn-cs"/>
+      </a:defRPr>
+    </a:lvl2pPr>
+    <a:lvl3pPr marL="914400" algn="l" defTabSz="914400" rtl="0" eaLnBrk="1" latinLnBrk="0" hangingPunct="1">
+      <a:defRPr sz="1200" kern="1200">
+        <a:solidFill>
+          <a:schemeClr val="tx1"/>
+        </a:solidFill>
+        <a:latin typeface="+mn-lt"/>
+        <a:ea typeface="+mn-ea"/>
+        <a:cs typeface="+mn-cs"/>
+      </a:defRPr>
+    </a:lvl3pPr>
+    <a:lvl4pPr marL="1371600" algn="l" defTabSz="914400" rtl="0" eaLnBrk="1" latinLnBrk="0" hangingPunct="1">
+      <a:defRPr sz="1200" kern="1200">
+        <a:solidFill>
+          <a:schemeClr val="tx1"/>
+        </a:solidFill>
+        <a:latin typeface="+mn-lt"/>
+        <a:ea typeface="+mn-ea"/>
+        <a:cs typeface="+mn-cs"/>
+      </a:defRPr>
+    </a:lvl4pPr>
+    <a:lvl5pPr marL="1828800" algn="l" defTabSz="914400" rtl="0" eaLnBrk="1" latinLnBrk="0" hangingPunct="1">
+      <a:defRPr sz="1200" kern="1200">
+        <a:solidFill>
+          <a:schemeClr val="tx1"/>
+        </a:solidFill>
+        <a:latin typeface="+mn-lt"/>
+        <a:ea typeface="+mn-ea"/>
+        <a:cs typeface="+mn-cs"/>
+      </a:defRPr>
+    </a:lvl5pPr>
+    <a:lvl6pPr marL="2286000" algn="l" defTabSz="914400" rtl="0" eaLnBrk="1" latinLnBrk="0" hangingPunct="1">
+      <a:defRPr sz="1200" kern="1200">
+        <a:solidFill>
+          <a:schemeClr val="tx1"/>
+        </a:solidFill>
+        <a:latin typeface="+mn-lt"/>
+        <a:ea typeface="+mn-ea"/>
+        <a:cs typeface="+mn-cs"/>
+      </a:defRPr>
+    </a:lvl6pPr>
+    <a:lvl7pPr marL="2743200" algn="l" defTabSz="914400" rtl="0" eaLnBrk="1" latinLnBrk="0" hangingPunct="1">
+      <a:defRPr sz="1200" kern="1200">
+        <a:solidFill>
+          <a:schemeClr val="tx1"/>
+        </a:solidFill>
+        <a:latin typeface="+mn-lt"/>
+        <a:ea typeface="+mn-ea"/>
+        <a:cs typeface="+mn-cs"/>
+      </a:defRPr>
+    </a:lvl7pPr>
+    <a:lvl8pPr marL="3200400" algn="l" defTabSz="914400" rtl="0" eaLnBrk="1" latinLnBrk="0" hangingPunct="1">
+      <a:defRPr sz="1200" kern="1200">
+        <a:solidFill>
+          <a:schemeClr val="tx1"/>
+        </a:solidFill>
+        <a:latin typeface="+mn-lt"/>
+        <a:ea typeface="+mn-ea"/>
+        <a:cs typeface="+mn-cs"/>
+      </a:defRPr>
+    </a:lvl8pPr>
+    <a:lvl9pPr marL="3657600" algn="l" defTabSz="914400" rtl="0" eaLnBrk="1" latinLnBrk="0" hangingPunct="1">
+      <a:defRPr sz="1200" kern="1200">
+        <a:solidFill>
+          <a:schemeClr val="tx1"/>
+        </a:solidFill>
+        <a:latin typeface="+mn-lt"/>
+        <a:ea typeface="+mn-ea"/>
+        <a:cs typeface="+mn-cs"/>
+      </a:defRPr>
+    </a:lvl9pPr>
+  </p:notesStyle>
+</p:notesMaster>
+</file>
+
+<file path=ppt/notesSlides/notesSlide1.xml><?xml version="1.0" encoding="utf-8"?>
+<p:notes xmlns:a="http://schemas.openxmlformats.org/drawingml/2006/main" xmlns:r="http://schemas.openxmlformats.org/officeDocument/2006/relationships" xmlns:p="http://schemas.openxmlformats.org/presentationml/2006/main">
+  <p:cSld>
+    <p:spTree>
+      <p:nvGrpSpPr>
+        <p:cNvPr id="1" name=""/>
+        <p:cNvGrpSpPr/>
+        <p:nvPr/>
+      </p:nvGrpSpPr>
+      <p:grpSpPr>
+        <a:xfrm>
+          <a:off x="0" y="0"/>
+          <a:ext cx="0" cy="0"/>
+          <a:chOff x="0" y="0"/>
+          <a:chExt cx="0" cy="0"/>
+        </a:xfrm>
+      </p:grpSpPr>
+      <p:sp>
+        <p:nvSpPr>
+          <p:cNvPr id="2" name="Slide Image Placeholder 1"/>
+          <p:cNvSpPr>
+            <a:spLocks noGrp="1" noRot="1" noChangeAspect="1"/>
+          </p:cNvSpPr>
+          <p:nvPr>
+            <p:ph type="sldImg"/>
+          </p:nvPr>
+        </p:nvSpPr>
+        <p:spPr/>
+      </p:sp>
+      <p:sp>
+        <p:nvSpPr>
+          <p:cNvPr id="3" name="Notes Placeholder 2"/>
+          <p:cNvSpPr>
+            <a:spLocks noGrp="1"/>
+          </p:cNvSpPr>
+          <p:nvPr>
+            <p:ph type="body" idx="1"/>
+          </p:nvPr>
+        </p:nvSpPr>
+        <p:spPr/>
+        <p:txBody>
+          <a:bodyPr/>
+          <a:lstStyle/>
+          <a:p>
+            <a:endParaRPr lang="en-US" dirty="0"/>
+          </a:p>
+        </p:txBody>
+      </p:sp>
+      <p:sp>
+        <p:nvSpPr>
+          <p:cNvPr id="4" name="Slide Number Placeholder 3"/>
+          <p:cNvSpPr>
+            <a:spLocks noGrp="1"/>
+          </p:cNvSpPr>
+          <p:nvPr>
+            <p:ph type="sldNum" sz="quarter" idx="5"/>
+          </p:nvPr>
+        </p:nvSpPr>
+        <p:spPr/>
+        <p:txBody>
+          <a:bodyPr/>
+          <a:lstStyle/>
+          <a:p>
+            <a:fld id="{0FB28B67-6587-8446-925A-F89115EBD76E}" type="slidenum">
+              <a:rPr lang="en-US" smtClean="0"/>
+              <a:t>4</a:t>
+            </a:fld>
+            <a:endParaRPr lang="en-US"/>
+          </a:p>
+        </p:txBody>
+      </p:sp>
+    </p:spTree>
+    <p:extLst>
+      <p:ext uri="{BB962C8B-B14F-4D97-AF65-F5344CB8AC3E}">
+        <p14:creationId xmlns:p14="http://schemas.microsoft.com/office/powerpoint/2010/main" val="4224056400"/>
+      </p:ext>
+    </p:extLst>
+  </p:cSld>
+  <p:clrMapOvr>
+    <a:masterClrMapping/>
+  </p:clrMapOvr>
+</p:notes>
+</file>
+
 <file path=ppt/slideLayouts/slideLayout1.xml><?xml version="1.0" encoding="utf-8"?>
 <p:sldLayout xmlns:a="http://schemas.openxmlformats.org/drawingml/2006/main" xmlns:r="http://schemas.openxmlformats.org/officeDocument/2006/relationships" xmlns:p="http://schemas.openxmlformats.org/presentationml/2006/main" type="title" preserve="1">
   <p:cSld name="Diapositive de titre">
@@ -940,7 +1456,7 @@
           <a:p>
             <a:fld id="{1942F851-F8A8-476F-9E6F-F7AE7574E7D7}" type="datetimeFigureOut">
               <a:rPr lang="fr-FR" smtClean="0"/>
-              <a:t>22/10/2025</a:t>
+              <a:t>23/10/2025</a:t>
             </a:fld>
             <a:endParaRPr lang="fr-FR"/>
           </a:p>
@@ -994,7 +1510,7 @@
           <a:p>
             <a:fld id="{6EB0AFAF-01AD-403D-8986-94521B07DECF}" type="slidenum">
               <a:rPr lang="fr-FR" smtClean="0"/>
-              <a:t>‹N°›</a:t>
+              <a:t>‹#›</a:t>
             </a:fld>
             <a:endParaRPr lang="fr-FR"/>
           </a:p>
@@ -1138,7 +1654,7 @@
           <a:p>
             <a:fld id="{1942F851-F8A8-476F-9E6F-F7AE7574E7D7}" type="datetimeFigureOut">
               <a:rPr lang="fr-FR" smtClean="0"/>
-              <a:t>22/10/2025</a:t>
+              <a:t>23/10/2025</a:t>
             </a:fld>
             <a:endParaRPr lang="fr-FR"/>
           </a:p>
@@ -1192,7 +1708,7 @@
           <a:p>
             <a:fld id="{6EB0AFAF-01AD-403D-8986-94521B07DECF}" type="slidenum">
               <a:rPr lang="fr-FR" smtClean="0"/>
-              <a:t>‹N°›</a:t>
+              <a:t>‹#›</a:t>
             </a:fld>
             <a:endParaRPr lang="fr-FR"/>
           </a:p>
@@ -1346,7 +1862,7 @@
           <a:p>
             <a:fld id="{1942F851-F8A8-476F-9E6F-F7AE7574E7D7}" type="datetimeFigureOut">
               <a:rPr lang="fr-FR" smtClean="0"/>
-              <a:t>22/10/2025</a:t>
+              <a:t>23/10/2025</a:t>
             </a:fld>
             <a:endParaRPr lang="fr-FR"/>
           </a:p>
@@ -1400,7 +1916,7 @@
           <a:p>
             <a:fld id="{6EB0AFAF-01AD-403D-8986-94521B07DECF}" type="slidenum">
               <a:rPr lang="fr-FR" smtClean="0"/>
-              <a:t>‹N°›</a:t>
+              <a:t>‹#›</a:t>
             </a:fld>
             <a:endParaRPr lang="fr-FR"/>
           </a:p>
@@ -1544,7 +2060,7 @@
           <a:p>
             <a:fld id="{1942F851-F8A8-476F-9E6F-F7AE7574E7D7}" type="datetimeFigureOut">
               <a:rPr lang="fr-FR" smtClean="0"/>
-              <a:t>22/10/2025</a:t>
+              <a:t>23/10/2025</a:t>
             </a:fld>
             <a:endParaRPr lang="fr-FR"/>
           </a:p>
@@ -1598,7 +2114,7 @@
           <a:p>
             <a:fld id="{6EB0AFAF-01AD-403D-8986-94521B07DECF}" type="slidenum">
               <a:rPr lang="fr-FR" smtClean="0"/>
-              <a:t>‹N°›</a:t>
+              <a:t>‹#›</a:t>
             </a:fld>
             <a:endParaRPr lang="fr-FR"/>
           </a:p>
@@ -1819,7 +2335,7 @@
           <a:p>
             <a:fld id="{1942F851-F8A8-476F-9E6F-F7AE7574E7D7}" type="datetimeFigureOut">
               <a:rPr lang="fr-FR" smtClean="0"/>
-              <a:t>22/10/2025</a:t>
+              <a:t>23/10/2025</a:t>
             </a:fld>
             <a:endParaRPr lang="fr-FR"/>
           </a:p>
@@ -1873,7 +2389,7 @@
           <a:p>
             <a:fld id="{6EB0AFAF-01AD-403D-8986-94521B07DECF}" type="slidenum">
               <a:rPr lang="fr-FR" smtClean="0"/>
-              <a:t>‹N°›</a:t>
+              <a:t>‹#›</a:t>
             </a:fld>
             <a:endParaRPr lang="fr-FR"/>
           </a:p>
@@ -2084,7 +2600,7 @@
           <a:p>
             <a:fld id="{1942F851-F8A8-476F-9E6F-F7AE7574E7D7}" type="datetimeFigureOut">
               <a:rPr lang="fr-FR" smtClean="0"/>
-              <a:t>22/10/2025</a:t>
+              <a:t>23/10/2025</a:t>
             </a:fld>
             <a:endParaRPr lang="fr-FR"/>
           </a:p>
@@ -2138,7 +2654,7 @@
           <a:p>
             <a:fld id="{6EB0AFAF-01AD-403D-8986-94521B07DECF}" type="slidenum">
               <a:rPr lang="fr-FR" smtClean="0"/>
-              <a:t>‹N°›</a:t>
+              <a:t>‹#›</a:t>
             </a:fld>
             <a:endParaRPr lang="fr-FR"/>
           </a:p>
@@ -2496,7 +3012,7 @@
           <a:p>
             <a:fld id="{1942F851-F8A8-476F-9E6F-F7AE7574E7D7}" type="datetimeFigureOut">
               <a:rPr lang="fr-FR" smtClean="0"/>
-              <a:t>22/10/2025</a:t>
+              <a:t>23/10/2025</a:t>
             </a:fld>
             <a:endParaRPr lang="fr-FR"/>
           </a:p>
@@ -2550,7 +3066,7 @@
           <a:p>
             <a:fld id="{6EB0AFAF-01AD-403D-8986-94521B07DECF}" type="slidenum">
               <a:rPr lang="fr-FR" smtClean="0"/>
-              <a:t>‹N°›</a:t>
+              <a:t>‹#›</a:t>
             </a:fld>
             <a:endParaRPr lang="fr-FR"/>
           </a:p>
@@ -2637,7 +3153,7 @@
           <a:p>
             <a:fld id="{1942F851-F8A8-476F-9E6F-F7AE7574E7D7}" type="datetimeFigureOut">
               <a:rPr lang="fr-FR" smtClean="0"/>
-              <a:t>22/10/2025</a:t>
+              <a:t>23/10/2025</a:t>
             </a:fld>
             <a:endParaRPr lang="fr-FR"/>
           </a:p>
@@ -2691,7 +3207,7 @@
           <a:p>
             <a:fld id="{6EB0AFAF-01AD-403D-8986-94521B07DECF}" type="slidenum">
               <a:rPr lang="fr-FR" smtClean="0"/>
-              <a:t>‹N°›</a:t>
+              <a:t>‹#›</a:t>
             </a:fld>
             <a:endParaRPr lang="fr-FR"/>
           </a:p>
@@ -2750,7 +3266,7 @@
           <a:p>
             <a:fld id="{1942F851-F8A8-476F-9E6F-F7AE7574E7D7}" type="datetimeFigureOut">
               <a:rPr lang="fr-FR" smtClean="0"/>
-              <a:t>22/10/2025</a:t>
+              <a:t>23/10/2025</a:t>
             </a:fld>
             <a:endParaRPr lang="fr-FR"/>
           </a:p>
@@ -2804,7 +3320,7 @@
           <a:p>
             <a:fld id="{6EB0AFAF-01AD-403D-8986-94521B07DECF}" type="slidenum">
               <a:rPr lang="fr-FR" smtClean="0"/>
-              <a:t>‹N°›</a:t>
+              <a:t>‹#›</a:t>
             </a:fld>
             <a:endParaRPr lang="fr-FR"/>
           </a:p>
@@ -3061,7 +3577,7 @@
           <a:p>
             <a:fld id="{1942F851-F8A8-476F-9E6F-F7AE7574E7D7}" type="datetimeFigureOut">
               <a:rPr lang="fr-FR" smtClean="0"/>
-              <a:t>22/10/2025</a:t>
+              <a:t>23/10/2025</a:t>
             </a:fld>
             <a:endParaRPr lang="fr-FR"/>
           </a:p>
@@ -3115,7 +3631,7 @@
           <a:p>
             <a:fld id="{6EB0AFAF-01AD-403D-8986-94521B07DECF}" type="slidenum">
               <a:rPr lang="fr-FR" smtClean="0"/>
-              <a:t>‹N°›</a:t>
+              <a:t>‹#›</a:t>
             </a:fld>
             <a:endParaRPr lang="fr-FR"/>
           </a:p>
@@ -3349,7 +3865,7 @@
           <a:p>
             <a:fld id="{1942F851-F8A8-476F-9E6F-F7AE7574E7D7}" type="datetimeFigureOut">
               <a:rPr lang="fr-FR" smtClean="0"/>
-              <a:t>22/10/2025</a:t>
+              <a:t>23/10/2025</a:t>
             </a:fld>
             <a:endParaRPr lang="fr-FR"/>
           </a:p>
@@ -3403,7 +3919,7 @@
           <a:p>
             <a:fld id="{6EB0AFAF-01AD-403D-8986-94521B07DECF}" type="slidenum">
               <a:rPr lang="fr-FR" smtClean="0"/>
-              <a:t>‹N°›</a:t>
+              <a:t>‹#›</a:t>
             </a:fld>
             <a:endParaRPr lang="fr-FR"/>
           </a:p>
@@ -3643,7 +4159,7 @@
           <a:p>
             <a:fld id="{1942F851-F8A8-476F-9E6F-F7AE7574E7D7}" type="datetimeFigureOut">
               <a:rPr lang="fr-FR" smtClean="0"/>
-              <a:t>22/10/2025</a:t>
+              <a:t>23/10/2025</a:t>
             </a:fld>
             <a:endParaRPr lang="fr-FR"/>
           </a:p>
@@ -3733,9 +4249,57 @@
           <a:p>
             <a:fld id="{6EB0AFAF-01AD-403D-8986-94521B07DECF}" type="slidenum">
               <a:rPr lang="fr-FR" smtClean="0"/>
-              <a:t>‹N°›</a:t>
+              <a:t>‹#›</a:t>
             </a:fld>
             <a:endParaRPr lang="fr-FR"/>
+          </a:p>
+        </p:txBody>
+      </p:sp>
+      <p:sp>
+        <p:nvSpPr>
+          <p:cNvPr id="8" name="TextBox 7">
+            <a:extLst>
+              <a:ext uri="{FF2B5EF4-FFF2-40B4-BE49-F238E27FC236}">
+                <a16:creationId xmlns:a16="http://schemas.microsoft.com/office/drawing/2014/main" id="{6E4E82A0-833A-E111-FE9F-37FB5DD510F9}"/>
+              </a:ext>
+            </a:extLst>
+          </p:cNvPr>
+          <p:cNvSpPr txBox="1"/>
+          <p:nvPr userDrawn="1">
+            <p:extLst>
+              <p:ext uri="{1162E1C5-73C7-4A58-AE30-91384D911F3F}">
+                <p184:classification xmlns:p184="http://schemas.microsoft.com/office/powerpoint/2018/4/main" val="ftr"/>
+              </p:ext>
+            </p:extLst>
+          </p:nvPr>
+        </p:nvSpPr>
+        <p:spPr>
+          <a:xfrm>
+            <a:off x="5592763" y="6687820"/>
+            <a:ext cx="1023937" cy="106680"/>
+          </a:xfrm>
+          <a:prstGeom prst="rect">
+            <a:avLst/>
+          </a:prstGeom>
+        </p:spPr>
+        <p:txBody>
+          <a:bodyPr horzOverflow="overflow" lIns="0" tIns="0" rIns="0" bIns="0">
+            <a:spAutoFit/>
+          </a:bodyPr>
+          <a:lstStyle/>
+          <a:p>
+            <a:pPr algn="l"/>
+            <a:r>
+              <a:rPr lang="en-US" sz="700">
+                <a:solidFill>
+                  <a:srgbClr val="000000">
+                    <a:alpha val="50000"/>
+                  </a:srgbClr>
+                </a:solidFill>
+                <a:latin typeface="Aptos" panose="020B0004020202020204" pitchFamily="34" charset="0"/>
+              </a:rPr>
+              <a:t>Juniper Business Use Only</a:t>
+            </a:r>
           </a:p>
         </p:txBody>
       </p:sp>
@@ -4413,15 +4977,7 @@
             <a:pPr lvl="1"/>
             <a:r>
               <a:rPr lang="en-US" dirty="0"/>
-              <a:t>Label </a:t>
-            </a:r>
-            <a:r>
-              <a:rPr lang="en-US" dirty="0" err="1"/>
-              <a:t>Unicat</a:t>
-            </a:r>
-            <a:r>
-              <a:rPr lang="en-US" dirty="0"/>
-              <a:t>: MPLS label stack</a:t>
+              <a:t>Labeled Unicast: MPLS label stack</a:t>
             </a:r>
           </a:p>
           <a:p>
@@ -4674,25 +5230,15 @@
           <a:p>
             <a:r>
               <a:rPr lang="en-US" dirty="0"/>
-              <a:t>parsing complexity (multiple fields, TLVs, MPLS end of stack </a:t>
-            </a:r>
-            <a:r>
-              <a:rPr lang="en-US"/>
-              <a:t>bit…)</a:t>
-            </a:r>
-          </a:p>
-          <a:p>
-            <a:r>
-              <a:rPr lang="en-US">
-                <a:sym typeface="Wingdings" panose="05000000000000000000" pitchFamily="2" charset="2"/>
-              </a:rPr>
-              <a:t> </a:t>
-            </a:r>
+              <a:t>parsing complexity (multiple fields, TLVs, MPLS end of stack bit…)</a:t>
+            </a:r>
+          </a:p>
+          <a:p>
             <a:r>
               <a:rPr lang="en-US" dirty="0">
                 <a:sym typeface="Wingdings" panose="05000000000000000000" pitchFamily="2" charset="2"/>
               </a:rPr>
-              <a:t>chance of MP_REACH_NLRI parsing error</a:t>
+              <a:t> chance of MP_REACH_NLRI parsing error</a:t>
             </a:r>
           </a:p>
           <a:p>
@@ -4728,6 +5274,11 @@
   <p:clrMapOvr>
     <a:masterClrMapping/>
   </p:clrMapOvr>
+  <p:extLst>
+    <p:ext uri="{6950BFC3-D8DA-4A85-94F7-54DA5524770B}">
+      <p188:commentRel xmlns:p188="http://schemas.microsoft.com/office/powerpoint/2018/8/main" r:id="rId3"/>
+    </p:ext>
+  </p:extLst>
 </p:sld>
 </file>
 
@@ -4805,15 +5356,7 @@
           <a:p>
             <a:r>
               <a:rPr lang="en-US" dirty="0"/>
-              <a:t>New non-transitive BGP attribute: “NLRI_KEY_LIST</a:t>
-            </a:r>
-            <a:r>
-              <a:rPr lang="fr-FR" dirty="0"/>
-              <a:t> </a:t>
-            </a:r>
-            <a:r>
-              <a:rPr lang="en-US" dirty="0"/>
-              <a:t>“</a:t>
+              <a:t>New non-transitive BGP attribute: “NLRI_KEY_LIST”</a:t>
             </a:r>
           </a:p>
           <a:p>
@@ -4866,6 +5409,11 @@
   <p:clrMapOvr>
     <a:masterClrMapping/>
   </p:clrMapOvr>
+  <p:extLst>
+    <p:ext uri="{6950BFC3-D8DA-4A85-94F7-54DA5524770B}">
+      <p188:commentRel xmlns:p188="http://schemas.microsoft.com/office/powerpoint/2018/8/main" r:id="rId2"/>
+    </p:ext>
+  </p:extLst>
 </p:sld>
 </file>
 
@@ -5016,6 +5564,11 @@
   <p:clrMapOvr>
     <a:masterClrMapping/>
   </p:clrMapOvr>
+  <p:extLst>
+    <p:ext uri="{6950BFC3-D8DA-4A85-94F7-54DA5524770B}">
+      <p188:commentRel xmlns:p188="http://schemas.microsoft.com/office/powerpoint/2018/8/main" r:id="rId2"/>
+    </p:ext>
+  </p:extLst>
 </p:sld>
 </file>
 
@@ -8941,6 +9494,321 @@
 </a:theme>
 </file>
 
+<file path=ppt/theme/theme2.xml><?xml version="1.0" encoding="utf-8"?>
+<a:theme xmlns:a="http://schemas.openxmlformats.org/drawingml/2006/main" name="Office Theme">
+  <a:themeElements>
+    <a:clrScheme name="Office">
+      <a:dk1>
+        <a:sysClr val="windowText" lastClr="000000"/>
+      </a:dk1>
+      <a:lt1>
+        <a:sysClr val="window" lastClr="FFFFFF"/>
+      </a:lt1>
+      <a:dk2>
+        <a:srgbClr val="0E2841"/>
+      </a:dk2>
+      <a:lt2>
+        <a:srgbClr val="E8E8E8"/>
+      </a:lt2>
+      <a:accent1>
+        <a:srgbClr val="156082"/>
+      </a:accent1>
+      <a:accent2>
+        <a:srgbClr val="E97132"/>
+      </a:accent2>
+      <a:accent3>
+        <a:srgbClr val="196B24"/>
+      </a:accent3>
+      <a:accent4>
+        <a:srgbClr val="0F9ED5"/>
+      </a:accent4>
+      <a:accent5>
+        <a:srgbClr val="A02B93"/>
+      </a:accent5>
+      <a:accent6>
+        <a:srgbClr val="4EA72E"/>
+      </a:accent6>
+      <a:hlink>
+        <a:srgbClr val="467886"/>
+      </a:hlink>
+      <a:folHlink>
+        <a:srgbClr val="96607D"/>
+      </a:folHlink>
+    </a:clrScheme>
+    <a:fontScheme name="Office">
+      <a:majorFont>
+        <a:latin typeface="Aptos Display" panose="02110004020202020204"/>
+        <a:ea typeface=""/>
+        <a:cs typeface=""/>
+        <a:font script="Jpan" typeface="游ゴシック Light"/>
+        <a:font script="Hang" typeface="맑은 고딕"/>
+        <a:font script="Hans" typeface="等线 Light"/>
+        <a:font script="Hant" typeface="新細明體"/>
+        <a:font script="Arab" typeface="Times New Roman"/>
+        <a:font script="Hebr" typeface="Times New Roman"/>
+        <a:font script="Thai" typeface="Angsana New"/>
+        <a:font script="Ethi" typeface="Nyala"/>
+        <a:font script="Beng" typeface="Vrinda"/>
+        <a:font script="Gujr" typeface="Shruti"/>
+        <a:font script="Khmr" typeface="MoolBoran"/>
+        <a:font script="Knda" typeface="Tunga"/>
+        <a:font script="Guru" typeface="Raavi"/>
+        <a:font script="Cans" typeface="Euphemia"/>
+        <a:font script="Cher" typeface="Plantagenet Cherokee"/>
+        <a:font script="Yiii" typeface="Microsoft Yi Baiti"/>
+        <a:font script="Tibt" typeface="Microsoft Himalaya"/>
+        <a:font script="Thaa" typeface="MV Boli"/>
+        <a:font script="Deva" typeface="Mangal"/>
+        <a:font script="Telu" typeface="Gautami"/>
+        <a:font script="Taml" typeface="Latha"/>
+        <a:font script="Syrc" typeface="Estrangelo Edessa"/>
+        <a:font script="Orya" typeface="Kalinga"/>
+        <a:font script="Mlym" typeface="Kartika"/>
+        <a:font script="Laoo" typeface="DokChampa"/>
+        <a:font script="Sinh" typeface="Iskoola Pota"/>
+        <a:font script="Mong" typeface="Mongolian Baiti"/>
+        <a:font script="Viet" typeface="Times New Roman"/>
+        <a:font script="Uigh" typeface="Microsoft Uighur"/>
+        <a:font script="Geor" typeface="Sylfaen"/>
+        <a:font script="Armn" typeface="Arial"/>
+        <a:font script="Bugi" typeface="Leelawadee UI"/>
+        <a:font script="Bopo" typeface="Microsoft JhengHei"/>
+        <a:font script="Java" typeface="Javanese Text"/>
+        <a:font script="Lisu" typeface="Segoe UI"/>
+        <a:font script="Mymr" typeface="Myanmar Text"/>
+        <a:font script="Nkoo" typeface="Ebrima"/>
+        <a:font script="Olck" typeface="Nirmala UI"/>
+        <a:font script="Osma" typeface="Ebrima"/>
+        <a:font script="Phag" typeface="Phagspa"/>
+        <a:font script="Syrn" typeface="Estrangelo Edessa"/>
+        <a:font script="Syrj" typeface="Estrangelo Edessa"/>
+        <a:font script="Syre" typeface="Estrangelo Edessa"/>
+        <a:font script="Sora" typeface="Nirmala UI"/>
+        <a:font script="Tale" typeface="Microsoft Tai Le"/>
+        <a:font script="Talu" typeface="Microsoft New Tai Lue"/>
+        <a:font script="Tfng" typeface="Ebrima"/>
+      </a:majorFont>
+      <a:minorFont>
+        <a:latin typeface="Aptos" panose="02110004020202020204"/>
+        <a:ea typeface=""/>
+        <a:cs typeface=""/>
+        <a:font script="Jpan" typeface="游ゴシック"/>
+        <a:font script="Hang" typeface="맑은 고딕"/>
+        <a:font script="Hans" typeface="等线"/>
+        <a:font script="Hant" typeface="新細明體"/>
+        <a:font script="Arab" typeface="Arial"/>
+        <a:font script="Hebr" typeface="Arial"/>
+        <a:font script="Thai" typeface="Cordia New"/>
+        <a:font script="Ethi" typeface="Nyala"/>
+        <a:font script="Beng" typeface="Vrinda"/>
+        <a:font script="Gujr" typeface="Shruti"/>
+        <a:font script="Khmr" typeface="DaunPenh"/>
+        <a:font script="Knda" typeface="Tunga"/>
+        <a:font script="Guru" typeface="Raavi"/>
+        <a:font script="Cans" typeface="Euphemia"/>
+        <a:font script="Cher" typeface="Plantagenet Cherokee"/>
+        <a:font script="Yiii" typeface="Microsoft Yi Baiti"/>
+        <a:font script="Tibt" typeface="Microsoft Himalaya"/>
+        <a:font script="Thaa" typeface="MV Boli"/>
+        <a:font script="Deva" typeface="Mangal"/>
+        <a:font script="Telu" typeface="Gautami"/>
+        <a:font script="Taml" typeface="Latha"/>
+        <a:font script="Syrc" typeface="Estrangelo Edessa"/>
+        <a:font script="Orya" typeface="Kalinga"/>
+        <a:font script="Mlym" typeface="Kartika"/>
+        <a:font script="Laoo" typeface="DokChampa"/>
+        <a:font script="Sinh" typeface="Iskoola Pota"/>
+        <a:font script="Mong" typeface="Mongolian Baiti"/>
+        <a:font script="Viet" typeface="Arial"/>
+        <a:font script="Uigh" typeface="Microsoft Uighur"/>
+        <a:font script="Geor" typeface="Sylfaen"/>
+        <a:font script="Armn" typeface="Arial"/>
+        <a:font script="Bugi" typeface="Leelawadee UI"/>
+        <a:font script="Bopo" typeface="Microsoft JhengHei"/>
+        <a:font script="Java" typeface="Javanese Text"/>
+        <a:font script="Lisu" typeface="Segoe UI"/>
+        <a:font script="Mymr" typeface="Myanmar Text"/>
+        <a:font script="Nkoo" typeface="Ebrima"/>
+        <a:font script="Olck" typeface="Nirmala UI"/>
+        <a:font script="Osma" typeface="Ebrima"/>
+        <a:font script="Phag" typeface="Phagspa"/>
+        <a:font script="Syrn" typeface="Estrangelo Edessa"/>
+        <a:font script="Syrj" typeface="Estrangelo Edessa"/>
+        <a:font script="Syre" typeface="Estrangelo Edessa"/>
+        <a:font script="Sora" typeface="Nirmala UI"/>
+        <a:font script="Tale" typeface="Microsoft Tai Le"/>
+        <a:font script="Talu" typeface="Microsoft New Tai Lue"/>
+        <a:font script="Tfng" typeface="Ebrima"/>
+      </a:minorFont>
+    </a:fontScheme>
+    <a:fmtScheme name="Office">
+      <a:fillStyleLst>
+        <a:solidFill>
+          <a:schemeClr val="phClr"/>
+        </a:solidFill>
+        <a:gradFill rotWithShape="1">
+          <a:gsLst>
+            <a:gs pos="0">
+              <a:schemeClr val="phClr">
+                <a:lumMod val="110000"/>
+                <a:satMod val="105000"/>
+                <a:tint val="67000"/>
+              </a:schemeClr>
+            </a:gs>
+            <a:gs pos="50000">
+              <a:schemeClr val="phClr">
+                <a:lumMod val="105000"/>
+                <a:satMod val="103000"/>
+                <a:tint val="73000"/>
+              </a:schemeClr>
+            </a:gs>
+            <a:gs pos="100000">
+              <a:schemeClr val="phClr">
+                <a:lumMod val="105000"/>
+                <a:satMod val="109000"/>
+                <a:tint val="81000"/>
+              </a:schemeClr>
+            </a:gs>
+          </a:gsLst>
+          <a:lin ang="5400000" scaled="0"/>
+        </a:gradFill>
+        <a:gradFill rotWithShape="1">
+          <a:gsLst>
+            <a:gs pos="0">
+              <a:schemeClr val="phClr">
+                <a:satMod val="103000"/>
+                <a:lumMod val="102000"/>
+                <a:tint val="94000"/>
+              </a:schemeClr>
+            </a:gs>
+            <a:gs pos="50000">
+              <a:schemeClr val="phClr">
+                <a:satMod val="110000"/>
+                <a:lumMod val="100000"/>
+                <a:shade val="100000"/>
+              </a:schemeClr>
+            </a:gs>
+            <a:gs pos="100000">
+              <a:schemeClr val="phClr">
+                <a:lumMod val="99000"/>
+                <a:satMod val="120000"/>
+                <a:shade val="78000"/>
+              </a:schemeClr>
+            </a:gs>
+          </a:gsLst>
+          <a:lin ang="5400000" scaled="0"/>
+        </a:gradFill>
+      </a:fillStyleLst>
+      <a:lnStyleLst>
+        <a:ln w="12700" cap="flat" cmpd="sng" algn="ctr">
+          <a:solidFill>
+            <a:schemeClr val="phClr"/>
+          </a:solidFill>
+          <a:prstDash val="solid"/>
+          <a:miter lim="800000"/>
+        </a:ln>
+        <a:ln w="19050" cap="flat" cmpd="sng" algn="ctr">
+          <a:solidFill>
+            <a:schemeClr val="phClr"/>
+          </a:solidFill>
+          <a:prstDash val="solid"/>
+          <a:miter lim="800000"/>
+        </a:ln>
+        <a:ln w="25400" cap="flat" cmpd="sng" algn="ctr">
+          <a:solidFill>
+            <a:schemeClr val="phClr"/>
+          </a:solidFill>
+          <a:prstDash val="solid"/>
+          <a:miter lim="800000"/>
+        </a:ln>
+      </a:lnStyleLst>
+      <a:effectStyleLst>
+        <a:effectStyle>
+          <a:effectLst/>
+        </a:effectStyle>
+        <a:effectStyle>
+          <a:effectLst/>
+        </a:effectStyle>
+        <a:effectStyle>
+          <a:effectLst>
+            <a:outerShdw blurRad="57150" dist="19050" dir="5400000" algn="ctr" rotWithShape="0">
+              <a:srgbClr val="000000">
+                <a:alpha val="63000"/>
+              </a:srgbClr>
+            </a:outerShdw>
+          </a:effectLst>
+        </a:effectStyle>
+      </a:effectStyleLst>
+      <a:bgFillStyleLst>
+        <a:solidFill>
+          <a:schemeClr val="phClr"/>
+        </a:solidFill>
+        <a:solidFill>
+          <a:schemeClr val="phClr">
+            <a:tint val="95000"/>
+            <a:satMod val="170000"/>
+          </a:schemeClr>
+        </a:solidFill>
+        <a:gradFill rotWithShape="1">
+          <a:gsLst>
+            <a:gs pos="0">
+              <a:schemeClr val="phClr">
+                <a:tint val="93000"/>
+                <a:satMod val="150000"/>
+                <a:shade val="98000"/>
+                <a:lumMod val="102000"/>
+              </a:schemeClr>
+            </a:gs>
+            <a:gs pos="50000">
+              <a:schemeClr val="phClr">
+                <a:tint val="98000"/>
+                <a:satMod val="130000"/>
+                <a:shade val="90000"/>
+                <a:lumMod val="103000"/>
+              </a:schemeClr>
+            </a:gs>
+            <a:gs pos="100000">
+              <a:schemeClr val="phClr">
+                <a:shade val="63000"/>
+                <a:satMod val="120000"/>
+              </a:schemeClr>
+            </a:gs>
+          </a:gsLst>
+          <a:lin ang="5400000" scaled="0"/>
+        </a:gradFill>
+      </a:bgFillStyleLst>
+    </a:fmtScheme>
+  </a:themeElements>
+  <a:objectDefaults>
+    <a:lnDef>
+      <a:spPr/>
+      <a:bodyPr/>
+      <a:lstStyle/>
+      <a:style>
+        <a:lnRef idx="2">
+          <a:schemeClr val="accent1"/>
+        </a:lnRef>
+        <a:fillRef idx="0">
+          <a:schemeClr val="accent1"/>
+        </a:fillRef>
+        <a:effectRef idx="1">
+          <a:schemeClr val="accent1"/>
+        </a:effectRef>
+        <a:fontRef idx="minor">
+          <a:schemeClr val="tx1"/>
+        </a:fontRef>
+      </a:style>
+    </a:lnDef>
+  </a:objectDefaults>
+  <a:extraClrSchemeLst/>
+  <a:extLst>
+    <a:ext uri="{05A4C25C-085E-4340-85A3-A5531E510DB2}">
+      <thm15:themeFamily xmlns:thm15="http://schemas.microsoft.com/office/thememl/2012/main" name="Office Theme" id="{2E142A2C-CD16-42D6-873A-C26D2A0506FA}" vid="{1BDDFF52-6CD6-40A5-AB3C-68EB2F1E4D0A}"/>
+    </a:ext>
+  </a:extLst>
+</a:theme>
+</file>
+
 <file path=docMetadata/LabelInfo.xml><?xml version="1.0" encoding="utf-8"?>
 <clbl:labelList xmlns:clbl="http://schemas.microsoft.com/office/2020/mipLabelMetadata">
   <clbl:label id="{07222825-62ea-40f3-96b5-5375c07996e2}" enabled="1" method="Privileged" siteId="{90c7a20a-f34b-40bf-bc48-b9253b6f5d20}" removed="0"/>

--- a/idr-nlri-error-handling.pptx
+++ b/idr-nlri-error-handling.pptx
@@ -5,7 +5,7 @@
     <p:sldMasterId id="2147483648" r:id="rId1"/>
   </p:sldMasterIdLst>
   <p:notesMasterIdLst>
-    <p:notesMasterId r:id="rId11"/>
+    <p:notesMasterId r:id="rId12"/>
   </p:notesMasterIdLst>
   <p:sldIdLst>
     <p:sldId id="256" r:id="rId2"/>
@@ -17,6 +17,7 @@
     <p:sldId id="262" r:id="rId8"/>
     <p:sldId id="263" r:id="rId9"/>
     <p:sldId id="264" r:id="rId10"/>
+    <p:sldId id="265" r:id="rId11"/>
   </p:sldIdLst>
   <p:sldSz cx="12192000" cy="6858000"/>
   <p:notesSz cx="6858000" cy="9144000"/>
@@ -125,6 +126,7 @@
 
 <file path=ppt/authors.xml><?xml version="1.0" encoding="utf-8"?>
 <p188:authorLst xmlns:a="http://schemas.openxmlformats.org/drawingml/2006/main" xmlns:r="http://schemas.openxmlformats.org/officeDocument/2006/relationships" xmlns:p188="http://schemas.microsoft.com/office/powerpoint/2018/8/main">
+  <p188:author id="{0216B040-A5ED-71D2-08AA-76410BC5990B}" name="DECRAENE Bruno" initials="BD" userId="DECRAENE Bruno" providerId="None"/>
   <p188:author id="{55403592-3A20-0DB0-032B-19E2BFEAA134}" name="John Scudder" initials="JS" userId="S::jgs@juniper.net::f1189e0a-4232-4620-8495-9c5cc33ae2d8" providerId="AD"/>
 </p188:authorLst>
 </file>
@@ -809,6 +811,20 @@
       <pc:docMk/>
       <pc:sldMk cId="3339695313" sldId="259"/>
     </pc:sldMkLst>
+    <p188:replyLst>
+      <p188:reply id="{7392FE51-DCF2-4537-A4F6-025749D8CBFB}" authorId="{0216B040-A5ED-71D2-08AA-76410BC5990B}" created="2025-10-29T10:34:52.780">
+        <p188:txBody>
+          <a:bodyPr/>
+          <a:lstStyle/>
+          <a:p>
+            <a:r>
+              <a:rPr lang="fr-FR"/>
+              <a:t>Fully agreed. You’re right that this may not be obvious to all readers.</a:t>
+            </a:r>
+          </a:p>
+        </p188:txBody>
+      </p188:reply>
+    </p188:replyLst>
     <p188:txBody>
       <a:bodyPr/>
       <a:lstStyle/>
@@ -820,6 +836,15 @@
         </a:r>
       </a:p>
     </p188:txBody>
+    <p188:extLst>
+      <p:ext xmlns:p="http://schemas.openxmlformats.org/presentationml/2006/main" uri="{57CB4572-C831-44C2-8A1C-0ADB6CCDFE69}">
+        <p223:reactions xmlns:p223="http://schemas.microsoft.com/office/powerpoint/2022/03/main">
+          <p223:rxn type="👍">
+            <p223:instance time="2025-10-29T10:40:56.688" authorId="{0216B040-A5ED-71D2-08AA-76410BC5990B}"/>
+          </p223:rxn>
+        </p223:reactions>
+      </p:ext>
+    </p188:extLst>
   </p188:cm>
 </p188:cmLst>
 </file>
@@ -831,8 +856,8 @@
       <pc:docMk xmlns:pc="http://schemas.microsoft.com/office/powerpoint/2013/main/command"/>
       <pc:sldMk xmlns:pc="http://schemas.microsoft.com/office/powerpoint/2013/main/command" cId="2699201525" sldId="260"/>
       <ac:spMk id="3" creationId="{98AB5BD9-DEBE-86D0-C0DC-B4F83A14D5F3}"/>
-      <ac:txMk cp="251" len="18">
-        <ac:context len="326" hash="868246073"/>
+      <ac:txMk cp="251">
+        <ac:context len="308" hash="1143166942"/>
       </ac:txMk>
     </ac:txMkLst>
     <p188:pos x="8332694" y="2598457"/>
@@ -846,6 +871,15 @@
         </a:r>
       </a:p>
     </p188:txBody>
+    <p188:extLst>
+      <p:ext xmlns:p="http://schemas.openxmlformats.org/presentationml/2006/main" uri="{57CB4572-C831-44C2-8A1C-0ADB6CCDFE69}">
+        <p223:reactions xmlns:p223="http://schemas.microsoft.com/office/powerpoint/2022/03/main">
+          <p223:rxn type="👍">
+            <p223:instance time="2025-10-29T10:42:30.362" authorId="{0216B040-A5ED-71D2-08AA-76410BC5990B}"/>
+          </p223:rxn>
+        </p223:reactions>
+      </p:ext>
+    </p188:extLst>
   </p188:cm>
 </p188:cmLst>
 </file>
@@ -858,7 +892,7 @@
       <pc:sldMk xmlns:pc="http://schemas.microsoft.com/office/powerpoint/2013/main/command" cId="1148738709" sldId="261"/>
       <ac:spMk id="3" creationId="{647A37BA-2D5A-8FBB-E3C4-7E0715955D11}"/>
       <ac:txMk cp="194" len="64">
-        <ac:context len="337" hash="1955730855"/>
+        <ac:context len="380" hash="2941234641"/>
       </ac:txMk>
     </ac:txMkLst>
     <p188:pos x="9058835" y="1979893"/>
@@ -958,7 +992,7 @@
           <a:p>
             <a:fld id="{6B3A3F2F-16EF-5743-9823-704C3351FBC7}" type="datetimeFigureOut">
               <a:rPr lang="en-US" smtClean="0"/>
-              <a:t>10/23/25</a:t>
+              <a:t>10/29/2025</a:t>
             </a:fld>
             <a:endParaRPr lang="en-US"/>
           </a:p>
@@ -1116,7 +1150,7 @@
           <a:p>
             <a:fld id="{0FB28B67-6587-8446-925A-F89115EBD76E}" type="slidenum">
               <a:rPr lang="en-US" smtClean="0"/>
-              <a:t>‹#›</a:t>
+              <a:t>‹N°›</a:t>
             </a:fld>
             <a:endParaRPr lang="en-US"/>
           </a:p>
@@ -1456,7 +1490,7 @@
           <a:p>
             <a:fld id="{1942F851-F8A8-476F-9E6F-F7AE7574E7D7}" type="datetimeFigureOut">
               <a:rPr lang="fr-FR" smtClean="0"/>
-              <a:t>23/10/2025</a:t>
+              <a:t>29/10/2025</a:t>
             </a:fld>
             <a:endParaRPr lang="fr-FR"/>
           </a:p>
@@ -1510,7 +1544,7 @@
           <a:p>
             <a:fld id="{6EB0AFAF-01AD-403D-8986-94521B07DECF}" type="slidenum">
               <a:rPr lang="fr-FR" smtClean="0"/>
-              <a:t>‹#›</a:t>
+              <a:t>‹N°›</a:t>
             </a:fld>
             <a:endParaRPr lang="fr-FR"/>
           </a:p>
@@ -1654,7 +1688,7 @@
           <a:p>
             <a:fld id="{1942F851-F8A8-476F-9E6F-F7AE7574E7D7}" type="datetimeFigureOut">
               <a:rPr lang="fr-FR" smtClean="0"/>
-              <a:t>23/10/2025</a:t>
+              <a:t>29/10/2025</a:t>
             </a:fld>
             <a:endParaRPr lang="fr-FR"/>
           </a:p>
@@ -1708,7 +1742,7 @@
           <a:p>
             <a:fld id="{6EB0AFAF-01AD-403D-8986-94521B07DECF}" type="slidenum">
               <a:rPr lang="fr-FR" smtClean="0"/>
-              <a:t>‹#›</a:t>
+              <a:t>‹N°›</a:t>
             </a:fld>
             <a:endParaRPr lang="fr-FR"/>
           </a:p>
@@ -1862,7 +1896,7 @@
           <a:p>
             <a:fld id="{1942F851-F8A8-476F-9E6F-F7AE7574E7D7}" type="datetimeFigureOut">
               <a:rPr lang="fr-FR" smtClean="0"/>
-              <a:t>23/10/2025</a:t>
+              <a:t>29/10/2025</a:t>
             </a:fld>
             <a:endParaRPr lang="fr-FR"/>
           </a:p>
@@ -1916,7 +1950,7 @@
           <a:p>
             <a:fld id="{6EB0AFAF-01AD-403D-8986-94521B07DECF}" type="slidenum">
               <a:rPr lang="fr-FR" smtClean="0"/>
-              <a:t>‹#›</a:t>
+              <a:t>‹N°›</a:t>
             </a:fld>
             <a:endParaRPr lang="fr-FR"/>
           </a:p>
@@ -2060,7 +2094,7 @@
           <a:p>
             <a:fld id="{1942F851-F8A8-476F-9E6F-F7AE7574E7D7}" type="datetimeFigureOut">
               <a:rPr lang="fr-FR" smtClean="0"/>
-              <a:t>23/10/2025</a:t>
+              <a:t>29/10/2025</a:t>
             </a:fld>
             <a:endParaRPr lang="fr-FR"/>
           </a:p>
@@ -2114,7 +2148,7 @@
           <a:p>
             <a:fld id="{6EB0AFAF-01AD-403D-8986-94521B07DECF}" type="slidenum">
               <a:rPr lang="fr-FR" smtClean="0"/>
-              <a:t>‹#›</a:t>
+              <a:t>‹N°›</a:t>
             </a:fld>
             <a:endParaRPr lang="fr-FR"/>
           </a:p>
@@ -2335,7 +2369,7 @@
           <a:p>
             <a:fld id="{1942F851-F8A8-476F-9E6F-F7AE7574E7D7}" type="datetimeFigureOut">
               <a:rPr lang="fr-FR" smtClean="0"/>
-              <a:t>23/10/2025</a:t>
+              <a:t>29/10/2025</a:t>
             </a:fld>
             <a:endParaRPr lang="fr-FR"/>
           </a:p>
@@ -2389,7 +2423,7 @@
           <a:p>
             <a:fld id="{6EB0AFAF-01AD-403D-8986-94521B07DECF}" type="slidenum">
               <a:rPr lang="fr-FR" smtClean="0"/>
-              <a:t>‹#›</a:t>
+              <a:t>‹N°›</a:t>
             </a:fld>
             <a:endParaRPr lang="fr-FR"/>
           </a:p>
@@ -2600,7 +2634,7 @@
           <a:p>
             <a:fld id="{1942F851-F8A8-476F-9E6F-F7AE7574E7D7}" type="datetimeFigureOut">
               <a:rPr lang="fr-FR" smtClean="0"/>
-              <a:t>23/10/2025</a:t>
+              <a:t>29/10/2025</a:t>
             </a:fld>
             <a:endParaRPr lang="fr-FR"/>
           </a:p>
@@ -2654,7 +2688,7 @@
           <a:p>
             <a:fld id="{6EB0AFAF-01AD-403D-8986-94521B07DECF}" type="slidenum">
               <a:rPr lang="fr-FR" smtClean="0"/>
-              <a:t>‹#›</a:t>
+              <a:t>‹N°›</a:t>
             </a:fld>
             <a:endParaRPr lang="fr-FR"/>
           </a:p>
@@ -3012,7 +3046,7 @@
           <a:p>
             <a:fld id="{1942F851-F8A8-476F-9E6F-F7AE7574E7D7}" type="datetimeFigureOut">
               <a:rPr lang="fr-FR" smtClean="0"/>
-              <a:t>23/10/2025</a:t>
+              <a:t>29/10/2025</a:t>
             </a:fld>
             <a:endParaRPr lang="fr-FR"/>
           </a:p>
@@ -3066,7 +3100,7 @@
           <a:p>
             <a:fld id="{6EB0AFAF-01AD-403D-8986-94521B07DECF}" type="slidenum">
               <a:rPr lang="fr-FR" smtClean="0"/>
-              <a:t>‹#›</a:t>
+              <a:t>‹N°›</a:t>
             </a:fld>
             <a:endParaRPr lang="fr-FR"/>
           </a:p>
@@ -3153,7 +3187,7 @@
           <a:p>
             <a:fld id="{1942F851-F8A8-476F-9E6F-F7AE7574E7D7}" type="datetimeFigureOut">
               <a:rPr lang="fr-FR" smtClean="0"/>
-              <a:t>23/10/2025</a:t>
+              <a:t>29/10/2025</a:t>
             </a:fld>
             <a:endParaRPr lang="fr-FR"/>
           </a:p>
@@ -3207,7 +3241,7 @@
           <a:p>
             <a:fld id="{6EB0AFAF-01AD-403D-8986-94521B07DECF}" type="slidenum">
               <a:rPr lang="fr-FR" smtClean="0"/>
-              <a:t>‹#›</a:t>
+              <a:t>‹N°›</a:t>
             </a:fld>
             <a:endParaRPr lang="fr-FR"/>
           </a:p>
@@ -3266,7 +3300,7 @@
           <a:p>
             <a:fld id="{1942F851-F8A8-476F-9E6F-F7AE7574E7D7}" type="datetimeFigureOut">
               <a:rPr lang="fr-FR" smtClean="0"/>
-              <a:t>23/10/2025</a:t>
+              <a:t>29/10/2025</a:t>
             </a:fld>
             <a:endParaRPr lang="fr-FR"/>
           </a:p>
@@ -3320,7 +3354,7 @@
           <a:p>
             <a:fld id="{6EB0AFAF-01AD-403D-8986-94521B07DECF}" type="slidenum">
               <a:rPr lang="fr-FR" smtClean="0"/>
-              <a:t>‹#›</a:t>
+              <a:t>‹N°›</a:t>
             </a:fld>
             <a:endParaRPr lang="fr-FR"/>
           </a:p>
@@ -3577,7 +3611,7 @@
           <a:p>
             <a:fld id="{1942F851-F8A8-476F-9E6F-F7AE7574E7D7}" type="datetimeFigureOut">
               <a:rPr lang="fr-FR" smtClean="0"/>
-              <a:t>23/10/2025</a:t>
+              <a:t>29/10/2025</a:t>
             </a:fld>
             <a:endParaRPr lang="fr-FR"/>
           </a:p>
@@ -3631,7 +3665,7 @@
           <a:p>
             <a:fld id="{6EB0AFAF-01AD-403D-8986-94521B07DECF}" type="slidenum">
               <a:rPr lang="fr-FR" smtClean="0"/>
-              <a:t>‹#›</a:t>
+              <a:t>‹N°›</a:t>
             </a:fld>
             <a:endParaRPr lang="fr-FR"/>
           </a:p>
@@ -3865,7 +3899,7 @@
           <a:p>
             <a:fld id="{1942F851-F8A8-476F-9E6F-F7AE7574E7D7}" type="datetimeFigureOut">
               <a:rPr lang="fr-FR" smtClean="0"/>
-              <a:t>23/10/2025</a:t>
+              <a:t>29/10/2025</a:t>
             </a:fld>
             <a:endParaRPr lang="fr-FR"/>
           </a:p>
@@ -3919,7 +3953,7 @@
           <a:p>
             <a:fld id="{6EB0AFAF-01AD-403D-8986-94521B07DECF}" type="slidenum">
               <a:rPr lang="fr-FR" smtClean="0"/>
-              <a:t>‹#›</a:t>
+              <a:t>‹N°›</a:t>
             </a:fld>
             <a:endParaRPr lang="fr-FR"/>
           </a:p>
@@ -4159,7 +4193,7 @@
           <a:p>
             <a:fld id="{1942F851-F8A8-476F-9E6F-F7AE7574E7D7}" type="datetimeFigureOut">
               <a:rPr lang="fr-FR" smtClean="0"/>
-              <a:t>23/10/2025</a:t>
+              <a:t>29/10/2025</a:t>
             </a:fld>
             <a:endParaRPr lang="fr-FR"/>
           </a:p>
@@ -4249,57 +4283,9 @@
           <a:p>
             <a:fld id="{6EB0AFAF-01AD-403D-8986-94521B07DECF}" type="slidenum">
               <a:rPr lang="fr-FR" smtClean="0"/>
-              <a:t>‹#›</a:t>
+              <a:t>‹N°›</a:t>
             </a:fld>
             <a:endParaRPr lang="fr-FR"/>
-          </a:p>
-        </p:txBody>
-      </p:sp>
-      <p:sp>
-        <p:nvSpPr>
-          <p:cNvPr id="8" name="TextBox 7">
-            <a:extLst>
-              <a:ext uri="{FF2B5EF4-FFF2-40B4-BE49-F238E27FC236}">
-                <a16:creationId xmlns:a16="http://schemas.microsoft.com/office/drawing/2014/main" id="{6E4E82A0-833A-E111-FE9F-37FB5DD510F9}"/>
-              </a:ext>
-            </a:extLst>
-          </p:cNvPr>
-          <p:cNvSpPr txBox="1"/>
-          <p:nvPr userDrawn="1">
-            <p:extLst>
-              <p:ext uri="{1162E1C5-73C7-4A58-AE30-91384D911F3F}">
-                <p184:classification xmlns:p184="http://schemas.microsoft.com/office/powerpoint/2018/4/main" val="ftr"/>
-              </p:ext>
-            </p:extLst>
-          </p:nvPr>
-        </p:nvSpPr>
-        <p:spPr>
-          <a:xfrm>
-            <a:off x="5592763" y="6687820"/>
-            <a:ext cx="1023937" cy="106680"/>
-          </a:xfrm>
-          <a:prstGeom prst="rect">
-            <a:avLst/>
-          </a:prstGeom>
-        </p:spPr>
-        <p:txBody>
-          <a:bodyPr horzOverflow="overflow" lIns="0" tIns="0" rIns="0" bIns="0">
-            <a:spAutoFit/>
-          </a:bodyPr>
-          <a:lstStyle/>
-          <a:p>
-            <a:pPr algn="l"/>
-            <a:r>
-              <a:rPr lang="en-US" sz="700">
-                <a:solidFill>
-                  <a:srgbClr val="000000">
-                    <a:alpha val="50000"/>
-                  </a:srgbClr>
-                </a:solidFill>
-                <a:latin typeface="Aptos" panose="020B0004020202020204" pitchFamily="34" charset="0"/>
-              </a:rPr>
-              <a:t>Juniper Business Use Only</a:t>
-            </a:r>
           </a:p>
         </p:txBody>
       </p:sp>
@@ -4667,7 +4653,7 @@
             </a:br>
             <a:r>
               <a:rPr lang="fr-FR" sz="2400" dirty="0"/>
-              <a:t>draft-decraene-idr-nlri-error-handling-00</a:t>
+              <a:t>draft-decraene-idr-nlri-error-handling-01</a:t>
             </a:r>
             <a:endParaRPr lang="fr-FR" dirty="0"/>
           </a:p>
@@ -4728,6 +4714,120 @@
     <p:extLst>
       <p:ext uri="{BB962C8B-B14F-4D97-AF65-F5344CB8AC3E}">
         <p14:creationId xmlns:p14="http://schemas.microsoft.com/office/powerpoint/2010/main" val="1087970239"/>
+      </p:ext>
+    </p:extLst>
+  </p:cSld>
+  <p:clrMapOvr>
+    <a:masterClrMapping/>
+  </p:clrMapOvr>
+</p:sld>
+</file>
+
+<file path=ppt/slides/slide10.xml><?xml version="1.0" encoding="utf-8"?>
+<p:sld xmlns:a="http://schemas.openxmlformats.org/drawingml/2006/main" xmlns:r="http://schemas.openxmlformats.org/officeDocument/2006/relationships" xmlns:p="http://schemas.openxmlformats.org/presentationml/2006/main">
+  <p:cSld>
+    <p:spTree>
+      <p:nvGrpSpPr>
+        <p:cNvPr id="1" name=""/>
+        <p:cNvGrpSpPr/>
+        <p:nvPr/>
+      </p:nvGrpSpPr>
+      <p:grpSpPr>
+        <a:xfrm>
+          <a:off x="0" y="0"/>
+          <a:ext cx="0" cy="0"/>
+          <a:chOff x="0" y="0"/>
+          <a:chExt cx="0" cy="0"/>
+        </a:xfrm>
+      </p:grpSpPr>
+      <p:sp>
+        <p:nvSpPr>
+          <p:cNvPr id="2" name="Titre 1">
+            <a:extLst>
+              <a:ext uri="{FF2B5EF4-FFF2-40B4-BE49-F238E27FC236}">
+                <a16:creationId xmlns:a16="http://schemas.microsoft.com/office/drawing/2014/main" id="{25C8B20A-4073-56CA-9E05-B8E6D7C838AA}"/>
+              </a:ext>
+            </a:extLst>
+          </p:cNvPr>
+          <p:cNvSpPr>
+            <a:spLocks noGrp="1"/>
+          </p:cNvSpPr>
+          <p:nvPr>
+            <p:ph type="title"/>
+          </p:nvPr>
+        </p:nvSpPr>
+        <p:spPr/>
+        <p:txBody>
+          <a:bodyPr/>
+          <a:lstStyle/>
+          <a:p>
+            <a:r>
+              <a:rPr lang="en-US" dirty="0"/>
+              <a:t>Next steps</a:t>
+            </a:r>
+          </a:p>
+        </p:txBody>
+      </p:sp>
+      <p:sp>
+        <p:nvSpPr>
+          <p:cNvPr id="3" name="Espace réservé du contenu 2">
+            <a:extLst>
+              <a:ext uri="{FF2B5EF4-FFF2-40B4-BE49-F238E27FC236}">
+                <a16:creationId xmlns:a16="http://schemas.microsoft.com/office/drawing/2014/main" id="{C2407E1F-D90C-A9CD-B7F9-C2DD43FDE842}"/>
+              </a:ext>
+            </a:extLst>
+          </p:cNvPr>
+          <p:cNvSpPr>
+            <a:spLocks noGrp="1"/>
+          </p:cNvSpPr>
+          <p:nvPr>
+            <p:ph idx="1"/>
+          </p:nvPr>
+        </p:nvSpPr>
+        <p:spPr/>
+        <p:txBody>
+          <a:bodyPr/>
+          <a:lstStyle/>
+          <a:p>
+            <a:r>
+              <a:rPr lang="en-US" dirty="0"/>
+              <a:t>WG review and comments are welcomed</a:t>
+            </a:r>
+          </a:p>
+          <a:p>
+            <a:pPr lvl="1"/>
+            <a:r>
+              <a:rPr lang="en-US" dirty="0"/>
+              <a:t>Thanks for reviews and comments on -00</a:t>
+            </a:r>
+          </a:p>
+          <a:p>
+            <a:pPr lvl="1"/>
+            <a:r>
+              <a:rPr lang="en-US" dirty="0"/>
+              <a:t>-</a:t>
+            </a:r>
+            <a:r>
+              <a:rPr lang="en-US"/>
+              <a:t>01 published</a:t>
+            </a:r>
+            <a:endParaRPr lang="en-US" dirty="0"/>
+          </a:p>
+          <a:p>
+            <a:endParaRPr lang="en-US" dirty="0"/>
+          </a:p>
+          <a:p>
+            <a:r>
+              <a:rPr lang="en-US" dirty="0"/>
+              <a:t>Asking for WG adoption call</a:t>
+            </a:r>
+          </a:p>
+        </p:txBody>
+      </p:sp>
+    </p:spTree>
+    <p:extLst>
+      <p:ext uri="{BB962C8B-B14F-4D97-AF65-F5344CB8AC3E}">
+        <p14:creationId xmlns:p14="http://schemas.microsoft.com/office/powerpoint/2010/main" val="2802938541"/>
       </p:ext>
     </p:extLst>
   </p:cSld>
@@ -5209,7 +5309,7 @@
         <p:spPr/>
         <p:txBody>
           <a:bodyPr>
-            <a:normAutofit/>
+            <a:normAutofit fontScale="62500" lnSpcReduction="20000"/>
           </a:bodyPr>
           <a:lstStyle/>
           <a:p>
@@ -5248,19 +5348,76 @@
               </a:rPr>
               <a:t> BGP session reset (high network impact, not likely recoverable)</a:t>
             </a:r>
-            <a:endParaRPr lang="en-US" dirty="0"/>
-          </a:p>
-          <a:p>
-            <a:endParaRPr lang="en-US" dirty="0"/>
           </a:p>
           <a:p>
             <a:pPr marL="0" indent="0">
               <a:buNone/>
             </a:pPr>
+            <a:endParaRPr lang="en-US" dirty="0">
+              <a:sym typeface="Wingdings" panose="05000000000000000000" pitchFamily="2" charset="2"/>
+            </a:endParaRPr>
+          </a:p>
+          <a:p>
+            <a:pPr marL="0" indent="0">
+              <a:buNone/>
+            </a:pPr>
             <a:r>
               <a:rPr lang="en-US" dirty="0"/>
-              <a:t>	</a:t>
-            </a:r>
+              <a:t>BGP session restart is not likely to help</a:t>
+            </a:r>
+          </a:p>
+          <a:p>
+            <a:r>
+              <a:rPr lang="en-US" dirty="0"/>
+              <a:t>Same routes, same NRLIs advertised</a:t>
+            </a:r>
+          </a:p>
+          <a:p>
+            <a:r>
+              <a:rPr lang="en-US" dirty="0">
+                <a:sym typeface="Wingdings" panose="05000000000000000000" pitchFamily="2" charset="2"/>
+              </a:rPr>
+              <a:t> same error</a:t>
+            </a:r>
+          </a:p>
+          <a:p>
+            <a:r>
+              <a:rPr lang="en-US" dirty="0">
+                <a:sym typeface="Wingdings" panose="05000000000000000000" pitchFamily="2" charset="2"/>
+              </a:rPr>
+              <a:t> BGP session reset again (and again and again)</a:t>
+            </a:r>
+          </a:p>
+          <a:p>
+            <a:endParaRPr lang="en-US" dirty="0"/>
+          </a:p>
+          <a:p>
+            <a:pPr>
+              <a:buFont typeface="Wingdings" panose="05000000000000000000" pitchFamily="2" charset="2"/>
+              <a:buChar char="à"/>
+            </a:pPr>
+            <a:r>
+              <a:rPr lang="en-US" dirty="0"/>
+              <a:t> High network impact, urgent human intervention required</a:t>
+            </a:r>
+          </a:p>
+          <a:p>
+            <a:r>
+              <a:rPr lang="en-US" dirty="0"/>
+              <a:t>Likely urgent software fix, validation, deployment</a:t>
+            </a:r>
+          </a:p>
+          <a:p>
+            <a:pPr marL="0" indent="0">
+              <a:buNone/>
+            </a:pPr>
+            <a:endParaRPr lang="en-US" dirty="0"/>
+          </a:p>
+          <a:p>
+            <a:endParaRPr lang="en-US" dirty="0"/>
+          </a:p>
+          <a:p>
+            <a:endParaRPr lang="en-US" dirty="0"/>
           </a:p>
         </p:txBody>
       </p:sp>
@@ -5387,7 +5544,7 @@
             <a:pPr lvl="1"/>
             <a:r>
               <a:rPr lang="en-US" dirty="0"/>
-              <a:t>Perform “Treat-As-Withdraw”, using the “withdraw” in the NLRI_KEY_LIST attribute</a:t>
+              <a:t>Perform “Treat-As-Withdraw”, using the NLRI_KEY_LIST attribute</a:t>
             </a:r>
           </a:p>
           <a:p>
@@ -5522,6 +5679,13 @@
             <a:r>
               <a:rPr lang="en-US" dirty="0"/>
               <a:t>(-) Extra complexity on the sender (encodes twice the NLRI list)</a:t>
+            </a:r>
+          </a:p>
+          <a:p>
+            <a:pPr lvl="2"/>
+            <a:r>
+              <a:rPr lang="en-US" dirty="0"/>
+              <a:t>Implementation, BGP UPDATE space, CPU time</a:t>
             </a:r>
           </a:p>
           <a:p>
